--- a/iOS10/iOS10新特性.pptx
+++ b/iOS10/iOS10新特性.pptx
@@ -14648,19 +14648,7 @@
                 <a:ea typeface="+mn-ea"/>
                 <a:cs typeface="+mn-cs"/>
               </a:rPr>
-              <a:t>要与系统共</a:t>
-            </a:r>
-            <a:r>
-              <a:rPr lang="zh-CN" altLang="en-US" sz="1200" b="0" i="0" kern="1200" dirty="0" smtClean="0">
-                <a:solidFill>
-                  <a:schemeClr val="tx1"/>
-                </a:solidFill>
-                <a:effectLst/>
-                <a:latin typeface="Arial" pitchFamily="34" charset="0"/>
-                <a:ea typeface="+mn-ea"/>
-                <a:cs typeface="+mn-cs"/>
-              </a:rPr>
-              <a:t>享位置，除了</a:t>
+              <a:t>要与系统共享位置，除了</a:t>
             </a:r>
             <a:r>
               <a:rPr lang="en-US" altLang="zh-CN" sz="1200" b="0" i="0" kern="1200" dirty="0" err="1" smtClean="0">
@@ -30133,7 +30121,7 @@
         <p:spPr>
           <a:xfrm>
             <a:off x="467544" y="1124744"/>
-            <a:ext cx="8352928" cy="2585323"/>
+            <a:ext cx="8352928" cy="2862323"/>
           </a:xfrm>
           <a:prstGeom prst="rect">
             <a:avLst/>
@@ -30176,8 +30164,24 @@
               <a:buChar char="•"/>
             </a:pPr>
             <a:r>
+              <a:rPr lang="en-US" altLang="zh-CN" dirty="0"/>
+              <a:t>In-app </a:t>
+            </a:r>
+            <a:r>
+              <a:rPr lang="en-US" altLang="zh-CN" dirty="0" smtClean="0"/>
+              <a:t>searching</a:t>
+            </a:r>
+            <a:r>
+              <a:rPr lang="en-US" altLang="zh-CN" dirty="0" smtClean="0"/>
+              <a:t> </a:t>
+            </a:r>
+            <a:r>
+              <a:rPr lang="zh-CN" altLang="en-US" dirty="0" smtClean="0"/>
+              <a:t>应</a:t>
+            </a:r>
+            <a:r>
               <a:rPr lang="zh-CN" altLang="en-US" dirty="0"/>
-              <a:t>应用内搜索</a:t>
+              <a:t>用内搜索</a:t>
             </a:r>
           </a:p>
           <a:p>
@@ -30193,6 +30197,18 @@
               <a:buChar char="•"/>
             </a:pPr>
             <a:r>
+              <a:rPr lang="en-US" altLang="zh-CN" dirty="0"/>
+              <a:t>Search </a:t>
+            </a:r>
+            <a:r>
+              <a:rPr lang="en-US" altLang="zh-CN" dirty="0" smtClean="0"/>
+              <a:t>continuation</a:t>
+            </a:r>
+            <a:r>
+              <a:rPr lang="zh-CN" altLang="en-US" dirty="0" smtClean="0"/>
+              <a:t> </a:t>
+            </a:r>
+            <a:r>
               <a:rPr lang="zh-CN" altLang="en-US" dirty="0" smtClean="0"/>
               <a:t>搜索延续</a:t>
             </a:r>
@@ -30207,8 +30223,24 @@
               <a:buChar char="•"/>
             </a:pPr>
             <a:r>
+              <a:rPr lang="en-US" altLang="zh-CN" dirty="0"/>
+              <a:t>Crowdsourcing deep link popularity with differential </a:t>
+            </a:r>
+            <a:r>
+              <a:rPr lang="en-US" altLang="zh-CN" dirty="0" smtClean="0"/>
+              <a:t>privacy</a:t>
+            </a:r>
+            <a:r>
+              <a:rPr lang="zh-CN" altLang="en-US" dirty="0" smtClean="0"/>
+              <a:t> </a:t>
+            </a:r>
+            <a:r>
+              <a:rPr lang="zh-CN" altLang="en-US" dirty="0" smtClean="0"/>
+              <a:t>众</a:t>
+            </a:r>
+            <a:r>
               <a:rPr lang="zh-CN" altLang="en-US" dirty="0"/>
-              <a:t>众包深度链接流行与差异隐私</a:t>
+              <a:t>包深度链接流行与差异隐私</a:t>
             </a:r>
           </a:p>
           <a:p>
@@ -30220,8 +30252,24 @@
               <a:buChar char="•"/>
             </a:pPr>
             <a:r>
+              <a:rPr lang="en-US" altLang="zh-CN" dirty="0"/>
+              <a:t>Visualization of validation </a:t>
+            </a:r>
+            <a:r>
+              <a:rPr lang="en-US" altLang="zh-CN" dirty="0" smtClean="0"/>
+              <a:t>results</a:t>
+            </a:r>
+            <a:r>
+              <a:rPr lang="zh-CN" altLang="en-US" dirty="0" smtClean="0"/>
+              <a:t> </a:t>
+            </a:r>
+            <a:r>
+              <a:rPr lang="zh-CN" altLang="en-US" dirty="0" smtClean="0"/>
+              <a:t>验证结果</a:t>
+            </a:r>
+            <a:r>
               <a:rPr lang="zh-CN" altLang="en-US" dirty="0"/>
-              <a:t>验证结果的可视化</a:t>
+              <a:t>的可视化</a:t>
             </a:r>
           </a:p>
         </p:txBody>
@@ -37935,15 +37983,7 @@
             </a:r>
             <a:r>
               <a:rPr kumimoji="1" lang="zh-CN" altLang="en-US" dirty="0" smtClean="0"/>
-              <a:t>，提供触觉反馈</a:t>
-            </a:r>
-            <a:r>
-              <a:rPr kumimoji="1" lang="zh-CN" altLang="en-US" dirty="0" smtClean="0"/>
-              <a:t>功能</a:t>
-            </a:r>
-            <a:r>
-              <a:rPr kumimoji="1" lang="zh-CN" altLang="en-US" dirty="0" smtClean="0"/>
-              <a:t>。</a:t>
+              <a:t>，提供触觉反馈功能。</a:t>
             </a:r>
             <a:endParaRPr kumimoji="1" lang="en-US" altLang="zh-CN" dirty="0" smtClean="0"/>
           </a:p>
@@ -38190,31 +38230,7 @@
                           <a:ea typeface="+mn-ea"/>
                           <a:cs typeface="+mn-cs"/>
                         </a:rPr>
-                        <a:t>表示一项任务或行动</a:t>
-                      </a:r>
-                      <a:r>
-                        <a:rPr lang="zh-CN" altLang="en-US" sz="1800" b="0" i="0" kern="1200" dirty="0" smtClean="0">
-                          <a:solidFill>
-                            <a:schemeClr val="tx1"/>
-                          </a:solidFill>
-                          <a:effectLst/>
-                          <a:latin typeface="Arial" pitchFamily="34" charset="0"/>
-                          <a:ea typeface="+mn-ea"/>
-                          <a:cs typeface="+mn-cs"/>
-                        </a:rPr>
-                        <a:t>，</a:t>
-                      </a:r>
-                      <a:r>
-                        <a:rPr lang="zh-CN" altLang="en-US" sz="1800" b="0" i="0" kern="1200" dirty="0" smtClean="0">
-                          <a:solidFill>
-                            <a:schemeClr val="tx1"/>
-                          </a:solidFill>
-                          <a:effectLst/>
-                          <a:latin typeface="Arial" pitchFamily="34" charset="0"/>
-                          <a:ea typeface="+mn-ea"/>
-                          <a:cs typeface="+mn-cs"/>
-                        </a:rPr>
-                        <a:t>例如存放支票或解锁车辆，已完成，失败或产生某种类型的警告</a:t>
+                        <a:t>表示一项任务或行动，例如存放支票或解锁车辆，已完成，失败或产生某种类型的警告</a:t>
                       </a:r>
                       <a:endParaRPr lang="zh-CN" altLang="en-US" dirty="0"/>
                     </a:p>
@@ -38274,31 +38290,7 @@
                           <a:ea typeface="+mn-ea"/>
                           <a:cs typeface="+mn-cs"/>
                         </a:rPr>
-                        <a:t>表示选择正在主动更改</a:t>
-                      </a:r>
-                      <a:r>
-                        <a:rPr lang="zh-CN" altLang="en-US" sz="1800" b="0" i="0" kern="1200" dirty="0" smtClean="0">
-                          <a:solidFill>
-                            <a:schemeClr val="tx1"/>
-                          </a:solidFill>
-                          <a:effectLst/>
-                          <a:latin typeface="Arial" pitchFamily="34" charset="0"/>
-                          <a:ea typeface="+mn-ea"/>
-                          <a:cs typeface="+mn-cs"/>
-                        </a:rPr>
-                        <a:t>，</a:t>
-                      </a:r>
-                      <a:r>
-                        <a:rPr lang="zh-CN" altLang="en-US" sz="1800" b="0" i="0" kern="1200" dirty="0" smtClean="0">
-                          <a:solidFill>
-                            <a:schemeClr val="tx1"/>
-                          </a:solidFill>
-                          <a:effectLst/>
-                          <a:latin typeface="Arial" pitchFamily="34" charset="0"/>
-                          <a:ea typeface="+mn-ea"/>
-                          <a:cs typeface="+mn-cs"/>
-                        </a:rPr>
-                        <a:t>例如，当滚动选择轮时，用户感觉到轻拍</a:t>
+                        <a:t>表示选择正在主动更改，例如，当滚动选择轮时，用户感觉到轻拍</a:t>
                       </a:r>
                       <a:endParaRPr lang="zh-CN" altLang="en-US" dirty="0"/>
                     </a:p>
@@ -41681,7 +41673,23 @@
             </a:r>
             <a:r>
               <a:rPr kumimoji="1" lang="zh-TW" altLang="en-US" dirty="0"/>
-              <a:t>对象中引入了增强的窥视和弹出支持</a:t>
+              <a:t>对象中引入了增强</a:t>
+            </a:r>
+            <a:r>
+              <a:rPr kumimoji="1" lang="zh-TW" altLang="en-US" dirty="0" smtClean="0"/>
+              <a:t>的</a:t>
+            </a:r>
+            <a:r>
+              <a:rPr kumimoji="1" lang="zh-TW" altLang="en-US" dirty="0" smtClean="0"/>
+              <a:t>预览</a:t>
+            </a:r>
+            <a:r>
+              <a:rPr kumimoji="1" lang="zh-TW" altLang="en-US" dirty="0" smtClean="0"/>
+              <a:t>和弹</a:t>
+            </a:r>
+            <a:r>
+              <a:rPr kumimoji="1" lang="zh-TW" altLang="en-US" dirty="0"/>
+              <a:t>出支持</a:t>
             </a:r>
             <a:r>
               <a:rPr kumimoji="1" lang="zh-TW" altLang="en-US" dirty="0" smtClean="0"/>
@@ -46494,15 +46502,7 @@
             </a:r>
             <a:r>
               <a:rPr lang="zh-CN" altLang="en-US" dirty="0" smtClean="0"/>
-              <a:t>并</a:t>
-            </a:r>
-            <a:r>
-              <a:rPr lang="zh-CN" altLang="en-US" dirty="0" smtClean="0"/>
-              <a:t>将</a:t>
-            </a:r>
-            <a:r>
-              <a:rPr lang="zh-CN" altLang="en-US" dirty="0" smtClean="0"/>
-              <a:t>可识别语音转成文本</a:t>
+              <a:t>并将可识别语音转成文本</a:t>
             </a:r>
             <a:endParaRPr lang="en-US" altLang="zh-CN" dirty="0" smtClean="0"/>
           </a:p>
@@ -47178,7 +47178,7 @@
   </a:extraClrSchemeLst>
   <a:extLst>
     <a:ext uri="{05A4C25C-085E-4340-85A3-A5531E510DB2}">
-      <thm15:themeFamily xmlns:thm15="http://schemas.microsoft.com/office/thememl/2012/main" xmlns="" name="Office Theme" id="{62F939B6-93AF-4DB8-9C6B-D6C7DFDC589F}" vid="{4A3C46E8-61CC-4603-A589-7422A47A8E4A}"/>
+      <thm15:themeFamily xmlns="" xmlns:thm15="http://schemas.microsoft.com/office/thememl/2012/main" name="Office Theme" id="{62F939B6-93AF-4DB8-9C6B-D6C7DFDC589F}" vid="{4A3C46E8-61CC-4603-A589-7422A47A8E4A}"/>
     </a:ext>
   </a:extLst>
 </a:theme>
@@ -47450,7 +47450,7 @@
   </a:extraClrSchemeLst>
   <a:extLst>
     <a:ext uri="{05A4C25C-085E-4340-85A3-A5531E510DB2}">
-      <thm15:themeFamily xmlns:thm15="http://schemas.microsoft.com/office/thememl/2012/main" xmlns="" name="Office Theme" id="{62F939B6-93AF-4DB8-9C6B-D6C7DFDC589F}" vid="{4A3C46E8-61CC-4603-A589-7422A47A8E4A}"/>
+      <thm15:themeFamily xmlns="" xmlns:thm15="http://schemas.microsoft.com/office/thememl/2012/main" name="Office Theme" id="{62F939B6-93AF-4DB8-9C6B-D6C7DFDC589F}" vid="{4A3C46E8-61CC-4603-A589-7422A47A8E4A}"/>
     </a:ext>
   </a:extLst>
 </a:theme>
@@ -47722,7 +47722,7 @@
   </a:extraClrSchemeLst>
   <a:extLst>
     <a:ext uri="{05A4C25C-085E-4340-85A3-A5531E510DB2}">
-      <thm15:themeFamily xmlns:thm15="http://schemas.microsoft.com/office/thememl/2012/main" xmlns="" name="Office Theme" id="{62F939B6-93AF-4DB8-9C6B-D6C7DFDC589F}" vid="{4A3C46E8-61CC-4603-A589-7422A47A8E4A}"/>
+      <thm15:themeFamily xmlns="" xmlns:thm15="http://schemas.microsoft.com/office/thememl/2012/main" name="Office Theme" id="{62F939B6-93AF-4DB8-9C6B-D6C7DFDC589F}" vid="{4A3C46E8-61CC-4603-A589-7422A47A8E4A}"/>
     </a:ext>
   </a:extLst>
 </a:theme>
@@ -48012,7 +48012,7 @@
   <a:extraClrSchemeLst/>
   <a:extLst>
     <a:ext uri="{05A4C25C-085E-4340-85A3-A5531E510DB2}">
-      <thm15:themeFamily xmlns:thm15="http://schemas.microsoft.com/office/thememl/2012/main" xmlns="" name="Office Theme" id="{62F939B6-93AF-4DB8-9C6B-D6C7DFDC589F}" vid="{4A3C46E8-61CC-4603-A589-7422A47A8E4A}"/>
+      <thm15:themeFamily xmlns="" xmlns:thm15="http://schemas.microsoft.com/office/thememl/2012/main" name="Office Theme" id="{62F939B6-93AF-4DB8-9C6B-D6C7DFDC589F}" vid="{4A3C46E8-61CC-4603-A589-7422A47A8E4A}"/>
     </a:ext>
   </a:extLst>
 </a:theme>
